--- a/amta2012/hands-on.2012.pptx
+++ b/amta2012/hands-on.2012.pptx
@@ -5,7 +5,7 @@
     <p:sldMasterId id="2147483648" r:id="rId1"/>
   </p:sldMasterIdLst>
   <p:notesMasterIdLst>
-    <p:notesMasterId r:id="rId15"/>
+    <p:notesMasterId r:id="rId18"/>
   </p:notesMasterIdLst>
   <p:sldIdLst>
     <p:sldId id="256" r:id="rId2"/>
@@ -18,9 +18,12 @@
     <p:sldId id="272" r:id="rId9"/>
     <p:sldId id="273" r:id="rId10"/>
     <p:sldId id="263" r:id="rId11"/>
-    <p:sldId id="268" r:id="rId12"/>
-    <p:sldId id="269" r:id="rId13"/>
-    <p:sldId id="270" r:id="rId14"/>
+    <p:sldId id="274" r:id="rId12"/>
+    <p:sldId id="275" r:id="rId13"/>
+    <p:sldId id="276" r:id="rId14"/>
+    <p:sldId id="268" r:id="rId15"/>
+    <p:sldId id="269" r:id="rId16"/>
+    <p:sldId id="270" r:id="rId17"/>
   </p:sldIdLst>
   <p:sldSz cx="9144000" cy="6858000" type="screen4x3"/>
   <p:notesSz cx="6858000" cy="9144000"/>
@@ -628,6 +631,377 @@
               <a:rPr lang="en-US" smtClean="0"/>
               <a:pPr/>
               <a:t>2</a:t>
+            </a:fld>
+            <a:endParaRPr lang="en-US"/>
+          </a:p>
+        </p:txBody>
+      </p:sp>
+    </p:spTree>
+  </p:cSld>
+  <p:clrMapOvr>
+    <a:masterClrMapping/>
+  </p:clrMapOvr>
+</p:notes>
+</file>
+
+<file path=ppt/notesSlides/notesSlide10.xml><?xml version="1.0" encoding="utf-8"?>
+<p:notes xmlns:a="http://schemas.openxmlformats.org/drawingml/2006/main" xmlns:r="http://schemas.openxmlformats.org/officeDocument/2006/relationships" xmlns:p="http://schemas.openxmlformats.org/presentationml/2006/main">
+  <p:cSld>
+    <p:spTree>
+      <p:nvGrpSpPr>
+        <p:cNvPr id="1" name=""/>
+        <p:cNvGrpSpPr/>
+        <p:nvPr/>
+      </p:nvGrpSpPr>
+      <p:grpSpPr>
+        <a:xfrm>
+          <a:off x="0" y="0"/>
+          <a:ext cx="0" cy="0"/>
+          <a:chOff x="0" y="0"/>
+          <a:chExt cx="0" cy="0"/>
+        </a:xfrm>
+      </p:grpSpPr>
+      <p:sp>
+        <p:nvSpPr>
+          <p:cNvPr id="2" name="Slide Image Placeholder 1"/>
+          <p:cNvSpPr>
+            <a:spLocks noGrp="1" noRot="1" noChangeAspect="1"/>
+          </p:cNvSpPr>
+          <p:nvPr>
+            <p:ph type="sldImg"/>
+          </p:nvPr>
+        </p:nvSpPr>
+        <p:spPr/>
+      </p:sp>
+      <p:sp>
+        <p:nvSpPr>
+          <p:cNvPr id="3" name="Notes Placeholder 2"/>
+          <p:cNvSpPr>
+            <a:spLocks noGrp="1"/>
+          </p:cNvSpPr>
+          <p:nvPr>
+            <p:ph type="body" idx="1"/>
+          </p:nvPr>
+        </p:nvSpPr>
+        <p:spPr/>
+        <p:txBody>
+          <a:bodyPr>
+            <a:normAutofit/>
+          </a:bodyPr>
+          <a:lstStyle/>
+          <a:p>
+            <a:r>
+              <a:rPr lang="en-US" baseline="0" dirty="0" smtClean="0"/>
+              <a:t>Has anyone </a:t>
+            </a:r>
+            <a:r>
+              <a:rPr lang="en-US" baseline="0" dirty="0" err="1" smtClean="0"/>
+              <a:t>experiement</a:t>
+            </a:r>
+            <a:r>
+              <a:rPr lang="en-US" baseline="0" dirty="0" smtClean="0"/>
+              <a:t> finished?</a:t>
+            </a:r>
+          </a:p>
+          <a:p>
+            <a:r>
+              <a:rPr lang="en-US" baseline="0" dirty="0" smtClean="0"/>
+              <a:t>   - if not, won’t have anything to </a:t>
+            </a:r>
+            <a:r>
+              <a:rPr lang="en-US" baseline="0" dirty="0" err="1" smtClean="0"/>
+              <a:t>analysies</a:t>
+            </a:r>
+            <a:endParaRPr lang="en-US" baseline="0" dirty="0" smtClean="0"/>
+          </a:p>
+          <a:p>
+            <a:r>
+              <a:rPr lang="en-US" baseline="0" dirty="0" smtClean="0"/>
+              <a:t>   - instead, look at an experiment I did earlier</a:t>
+            </a:r>
+          </a:p>
+          <a:p>
+            <a:r>
+              <a:rPr lang="en-US" baseline="0" dirty="0" smtClean="0"/>
+              <a:t>   - instead of running on only 1000 lines of </a:t>
+            </a:r>
+            <a:r>
+              <a:rPr lang="en-US" baseline="0" dirty="0" err="1" smtClean="0"/>
+              <a:t>tranining</a:t>
+            </a:r>
+            <a:r>
+              <a:rPr lang="en-US" baseline="0" dirty="0" smtClean="0"/>
+              <a:t> data, used whole news commentary</a:t>
+            </a:r>
+          </a:p>
+          <a:p>
+            <a:r>
+              <a:rPr lang="en-US" baseline="0" smtClean="0"/>
+              <a:t>       - also, tuned &amp; tested on 2000 sentences, instead of 20</a:t>
+            </a:r>
+          </a:p>
+          <a:p>
+            <a:endParaRPr lang="en-US" smtClean="0"/>
+          </a:p>
+          <a:p>
+            <a:r>
+              <a:rPr lang="en-US" dirty="0" smtClean="0"/>
+              <a:t>Once the experiments</a:t>
+            </a:r>
+            <a:r>
+              <a:rPr lang="en-US" baseline="0" dirty="0" smtClean="0"/>
+              <a:t> have finished running</a:t>
+            </a:r>
+          </a:p>
+          <a:p>
+            <a:r>
+              <a:rPr lang="en-US" baseline="0" dirty="0" smtClean="0"/>
+              <a:t> </a:t>
+            </a:r>
+          </a:p>
+          <a:p>
+            <a:r>
+              <a:rPr lang="en-US" baseline="0" dirty="0" smtClean="0"/>
+              <a:t>Look on the web interface</a:t>
+            </a:r>
+          </a:p>
+          <a:p>
+            <a:r>
+              <a:rPr lang="en-US" baseline="0" dirty="0" smtClean="0"/>
+              <a:t>   - tell you when it finished</a:t>
+            </a:r>
+          </a:p>
+          <a:p>
+            <a:r>
+              <a:rPr lang="en-US" baseline="0" dirty="0" smtClean="0"/>
+              <a:t>   - its BLEU score</a:t>
+            </a:r>
+          </a:p>
+          <a:p>
+            <a:endParaRPr lang="en-US" baseline="0" dirty="0" smtClean="0"/>
+          </a:p>
+          <a:p>
+            <a:r>
+              <a:rPr lang="en-US" baseline="0" dirty="0" smtClean="0"/>
+              <a:t>Can get detailed analysis by clicking on this links</a:t>
+            </a:r>
+          </a:p>
+          <a:p>
+            <a:r>
+              <a:rPr lang="en-US" baseline="0" dirty="0" smtClean="0"/>
+              <a:t>   - what </a:t>
+            </a:r>
+            <a:r>
+              <a:rPr lang="en-US" baseline="0" dirty="0" err="1" smtClean="0"/>
+              <a:t>addiotnal</a:t>
+            </a:r>
+            <a:r>
+              <a:rPr lang="en-US" baseline="0" dirty="0" smtClean="0"/>
+              <a:t> does this tell you?</a:t>
+            </a:r>
+          </a:p>
+        </p:txBody>
+      </p:sp>
+      <p:sp>
+        <p:nvSpPr>
+          <p:cNvPr id="4" name="Slide Number Placeholder 3"/>
+          <p:cNvSpPr>
+            <a:spLocks noGrp="1"/>
+          </p:cNvSpPr>
+          <p:nvPr>
+            <p:ph type="sldNum" sz="quarter" idx="10"/>
+          </p:nvPr>
+        </p:nvSpPr>
+        <p:spPr/>
+        <p:txBody>
+          <a:bodyPr/>
+          <a:lstStyle/>
+          <a:p>
+            <a:fld id="{33B50105-FE73-CA4B-93CF-52D521DC1249}" type="slidenum">
+              <a:rPr lang="en-US" smtClean="0"/>
+              <a:pPr/>
+              <a:t>11</a:t>
+            </a:fld>
+            <a:endParaRPr lang="en-US"/>
+          </a:p>
+        </p:txBody>
+      </p:sp>
+    </p:spTree>
+  </p:cSld>
+  <p:clrMapOvr>
+    <a:masterClrMapping/>
+  </p:clrMapOvr>
+</p:notes>
+</file>
+
+<file path=ppt/notesSlides/notesSlide11.xml><?xml version="1.0" encoding="utf-8"?>
+<p:notes xmlns:a="http://schemas.openxmlformats.org/drawingml/2006/main" xmlns:r="http://schemas.openxmlformats.org/officeDocument/2006/relationships" xmlns:p="http://schemas.openxmlformats.org/presentationml/2006/main">
+  <p:cSld>
+    <p:spTree>
+      <p:nvGrpSpPr>
+        <p:cNvPr id="1" name=""/>
+        <p:cNvGrpSpPr/>
+        <p:nvPr/>
+      </p:nvGrpSpPr>
+      <p:grpSpPr>
+        <a:xfrm>
+          <a:off x="0" y="0"/>
+          <a:ext cx="0" cy="0"/>
+          <a:chOff x="0" y="0"/>
+          <a:chExt cx="0" cy="0"/>
+        </a:xfrm>
+      </p:grpSpPr>
+      <p:sp>
+        <p:nvSpPr>
+          <p:cNvPr id="2" name="Slide Image Placeholder 1"/>
+          <p:cNvSpPr>
+            <a:spLocks noGrp="1" noRot="1" noChangeAspect="1"/>
+          </p:cNvSpPr>
+          <p:nvPr>
+            <p:ph type="sldImg"/>
+          </p:nvPr>
+        </p:nvSpPr>
+        <p:spPr/>
+      </p:sp>
+      <p:sp>
+        <p:nvSpPr>
+          <p:cNvPr id="3" name="Notes Placeholder 2"/>
+          <p:cNvSpPr>
+            <a:spLocks noGrp="1"/>
+          </p:cNvSpPr>
+          <p:nvPr>
+            <p:ph type="body" idx="1"/>
+          </p:nvPr>
+        </p:nvSpPr>
+        <p:spPr/>
+        <p:txBody>
+          <a:bodyPr>
+            <a:normAutofit/>
+          </a:bodyPr>
+          <a:lstStyle/>
+          <a:p>
+            <a:r>
+              <a:rPr lang="en-US" dirty="0" smtClean="0"/>
+              <a:t>High-level</a:t>
+            </a:r>
+            <a:r>
+              <a:rPr lang="en-US" baseline="0" dirty="0" smtClean="0"/>
+              <a:t> analysis</a:t>
+            </a:r>
+          </a:p>
+          <a:p>
+            <a:r>
+              <a:rPr lang="en-US" baseline="0" dirty="0" smtClean="0"/>
+              <a:t>  - what the bleu score was</a:t>
+            </a:r>
+          </a:p>
+          <a:p>
+            <a:r>
+              <a:rPr lang="en-US" baseline="0" dirty="0" smtClean="0"/>
+              <a:t>  - the calculation of that score</a:t>
+            </a:r>
+          </a:p>
+          <a:p>
+            <a:endParaRPr lang="en-US" baseline="0" dirty="0" smtClean="0"/>
+          </a:p>
+          <a:p>
+            <a:r>
+              <a:rPr lang="en-US" baseline="0" dirty="0" smtClean="0"/>
+              <a:t>Coverage</a:t>
+            </a:r>
+          </a:p>
+          <a:p>
+            <a:r>
+              <a:rPr lang="en-US" baseline="0" dirty="0" smtClean="0"/>
+              <a:t>  - drill down to get more details. </a:t>
+            </a:r>
+          </a:p>
+          <a:p>
+            <a:r>
+              <a:rPr lang="en-US" baseline="0" dirty="0" smtClean="0"/>
+              <a:t>   - unknown words</a:t>
+            </a:r>
+          </a:p>
+          <a:p>
+            <a:endParaRPr lang="en-US" baseline="0" dirty="0" smtClean="0"/>
+          </a:p>
+          <a:p>
+            <a:r>
+              <a:rPr lang="en-US" baseline="0" dirty="0" smtClean="0"/>
+              <a:t>Covered later on by </a:t>
+            </a:r>
+            <a:r>
+              <a:rPr lang="en-US" baseline="0" dirty="0" err="1" smtClean="0"/>
+              <a:t>philipp</a:t>
+            </a:r>
+            <a:endParaRPr lang="en-US" baseline="0" dirty="0" smtClean="0"/>
+          </a:p>
+          <a:p>
+            <a:endParaRPr lang="en-US" baseline="0" dirty="0" smtClean="0"/>
+          </a:p>
+          <a:p>
+            <a:r>
+              <a:rPr lang="en-US" dirty="0" smtClean="0"/>
+              <a:t>Sentence-by-sentence analysis</a:t>
+            </a:r>
+          </a:p>
+          <a:p>
+            <a:r>
+              <a:rPr lang="en-US" dirty="0" smtClean="0"/>
+              <a:t>   - shows how each</a:t>
+            </a:r>
+            <a:r>
+              <a:rPr lang="en-US" baseline="0" dirty="0" smtClean="0"/>
+              <a:t> sentence in the test set was translated</a:t>
+            </a:r>
+          </a:p>
+          <a:p>
+            <a:r>
+              <a:rPr lang="en-US" baseline="0" dirty="0" smtClean="0"/>
+              <a:t>   - for </a:t>
+            </a:r>
+            <a:r>
+              <a:rPr lang="en-US" baseline="0" dirty="0" err="1" smtClean="0"/>
+              <a:t>hiero</a:t>
+            </a:r>
+            <a:r>
+              <a:rPr lang="en-US" baseline="0" dirty="0" smtClean="0"/>
+              <a:t>/syntax – boxes represent trees, (or derivation) the translation used.</a:t>
+            </a:r>
+          </a:p>
+          <a:p>
+            <a:r>
+              <a:rPr lang="en-US" baseline="0" dirty="0" smtClean="0"/>
+              <a:t>   - interactive – hover over each box to see how that boxes was translated.</a:t>
+            </a:r>
+          </a:p>
+          <a:p>
+            <a:endParaRPr lang="en-US" baseline="0" dirty="0" smtClean="0"/>
+          </a:p>
+          <a:p>
+            <a:endParaRPr lang="en-US" dirty="0"/>
+          </a:p>
+        </p:txBody>
+      </p:sp>
+      <p:sp>
+        <p:nvSpPr>
+          <p:cNvPr id="4" name="Slide Number Placeholder 3"/>
+          <p:cNvSpPr>
+            <a:spLocks noGrp="1"/>
+          </p:cNvSpPr>
+          <p:nvPr>
+            <p:ph type="sldNum" sz="quarter" idx="10"/>
+          </p:nvPr>
+        </p:nvSpPr>
+        <p:spPr/>
+        <p:txBody>
+          <a:bodyPr/>
+          <a:lstStyle/>
+          <a:p>
+            <a:fld id="{33B50105-FE73-CA4B-93CF-52D521DC1249}" type="slidenum">
+              <a:rPr lang="en-US" smtClean="0"/>
+              <a:pPr/>
+              <a:t>12</a:t>
             </a:fld>
             <a:endParaRPr lang="en-US"/>
           </a:p>
@@ -4990,15 +5364,7 @@
             </a:r>
             <a:r>
               <a:rPr lang="en-US" sz="3097" dirty="0" smtClean="0"/>
-              <a:t> </a:t>
-            </a:r>
-            <a:r>
-              <a:rPr lang="en-US" sz="3097" dirty="0" smtClean="0"/>
-              <a:t>November, </a:t>
-            </a:r>
-            <a:r>
-              <a:rPr lang="en-US" sz="3097" dirty="0" smtClean="0"/>
-              <a:t>2012</a:t>
+              <a:t> November, 2012</a:t>
             </a:r>
             <a:endParaRPr lang="en-US" sz="3097" dirty="0"/>
           </a:p>
@@ -5322,65 +5688,285 @@
           <a:p>
             <a:r>
               <a:rPr lang="en-US" dirty="0" smtClean="0"/>
-              <a:t>Debugging</a:t>
+              <a:t>Analysis</a:t>
             </a:r>
             <a:endParaRPr lang="en-US" dirty="0"/>
           </a:p>
         </p:txBody>
       </p:sp>
-      <p:sp>
-        <p:nvSpPr>
-          <p:cNvPr id="3" name="Content Placeholder 2"/>
-          <p:cNvSpPr>
-            <a:spLocks noGrp="1"/>
-          </p:cNvSpPr>
+      <p:pic>
+        <p:nvPicPr>
+          <p:cNvPr id="4" name="Content Placeholder 3"/>
+          <p:cNvPicPr>
+            <a:picLocks noGrp="1" noChangeAspect="1"/>
+          </p:cNvPicPr>
           <p:nvPr>
             <p:ph idx="1"/>
           </p:nvPr>
-        </p:nvSpPr>
-        <p:spPr/>
-        <p:txBody>
-          <a:bodyPr/>
-          <a:lstStyle/>
-          <a:p>
-            <a:r>
-              <a:rPr lang="en-US" dirty="0" smtClean="0"/>
-              <a:t>Incorrect file paths</a:t>
-            </a:r>
-          </a:p>
-          <a:p>
-            <a:pPr lvl="1"/>
-            <a:r>
-              <a:rPr lang="en-US" dirty="0" smtClean="0"/>
-              <a:t>Data files</a:t>
-            </a:r>
-          </a:p>
-          <a:p>
-            <a:pPr lvl="1"/>
-            <a:r>
-              <a:rPr lang="en-US" dirty="0" smtClean="0"/>
-              <a:t>Executables</a:t>
-            </a:r>
-          </a:p>
-          <a:p>
-            <a:r>
-              <a:rPr lang="en-US" dirty="0" smtClean="0"/>
-              <a:t>Bugs in scripts</a:t>
-            </a:r>
-          </a:p>
-          <a:p>
-            <a:r>
-              <a:rPr lang="en-US" dirty="0" smtClean="0"/>
-              <a:t>Bugs in data</a:t>
-            </a:r>
-          </a:p>
-          <a:p>
-            <a:pPr lvl="1"/>
-            <a:endParaRPr lang="en-US" dirty="0"/>
+        </p:nvPicPr>
+        <p:blipFill>
+          <a:blip r:embed="rId3"/>
+          <a:stretch>
+            <a:fillRect/>
+          </a:stretch>
+        </p:blipFill>
+        <p:spPr>
+          <a:xfrm>
+            <a:off x="1219200" y="1998365"/>
+            <a:ext cx="4927600" cy="1739900"/>
+          </a:xfrm>
+          <a:prstGeom prst="rect">
+            <a:avLst/>
+          </a:prstGeom>
+        </p:spPr>
+      </p:pic>
+      <p:sp>
+        <p:nvSpPr>
+          <p:cNvPr id="8" name="Oval 7"/>
+          <p:cNvSpPr/>
+          <p:nvPr/>
+        </p:nvSpPr>
+        <p:spPr>
+          <a:xfrm>
+            <a:off x="4495800" y="1757065"/>
+            <a:ext cx="685800" cy="1981200"/>
+          </a:xfrm>
+          <a:prstGeom prst="ellipse">
+            <a:avLst/>
+          </a:prstGeom>
+          <a:noFill/>
+          <a:ln w="28575" cmpd="sng">
+            <a:solidFill>
+              <a:srgbClr val="FF6600"/>
+            </a:solidFill>
+          </a:ln>
+        </p:spPr>
+        <p:style>
+          <a:lnRef idx="1">
+            <a:schemeClr val="accent1"/>
+          </a:lnRef>
+          <a:fillRef idx="3">
+            <a:schemeClr val="accent1"/>
+          </a:fillRef>
+          <a:effectRef idx="2">
+            <a:schemeClr val="accent1"/>
+          </a:effectRef>
+          <a:fontRef idx="minor">
+            <a:schemeClr val="lt1"/>
+          </a:fontRef>
+        </p:style>
+        <p:txBody>
+          <a:bodyPr rtlCol="0" anchor="ctr"/>
+          <a:lstStyle/>
+          <a:p>
+            <a:pPr algn="ctr"/>
+            <a:endParaRPr lang="en-US"/>
+          </a:p>
+        </p:txBody>
+      </p:sp>
+      <p:sp>
+        <p:nvSpPr>
+          <p:cNvPr id="9" name="TextBox 8"/>
+          <p:cNvSpPr txBox="1"/>
+          <p:nvPr/>
+        </p:nvSpPr>
+        <p:spPr>
+          <a:xfrm>
+            <a:off x="4038600" y="1295400"/>
+            <a:ext cx="1685828" cy="461665"/>
+          </a:xfrm>
+          <a:prstGeom prst="rect">
+            <a:avLst/>
+          </a:prstGeom>
+          <a:noFill/>
+        </p:spPr>
+        <p:txBody>
+          <a:bodyPr wrap="none" rtlCol="0">
+            <a:spAutoFit/>
+          </a:bodyPr>
+          <a:lstStyle/>
+          <a:p>
+            <a:r>
+              <a:rPr lang="en-US" sz="2400" dirty="0" smtClean="0">
+                <a:solidFill>
+                  <a:srgbClr val="FF0000"/>
+                </a:solidFill>
+              </a:rPr>
+              <a:t>BLEU scores</a:t>
+            </a:r>
+            <a:endParaRPr lang="en-US" sz="2400" dirty="0">
+              <a:solidFill>
+                <a:srgbClr val="FF0000"/>
+              </a:solidFill>
+            </a:endParaRPr>
+          </a:p>
+        </p:txBody>
+      </p:sp>
+      <p:cxnSp>
+        <p:nvCxnSpPr>
+          <p:cNvPr id="14" name="Straight Arrow Connector 13"/>
+          <p:cNvCxnSpPr>
+            <a:stCxn id="15" idx="1"/>
+          </p:cNvCxnSpPr>
+          <p:nvPr/>
+        </p:nvCxnSpPr>
+        <p:spPr>
+          <a:xfrm rot="10800000" flipV="1">
+            <a:off x="5504181" y="2841487"/>
+            <a:ext cx="1146463" cy="515778"/>
+          </a:xfrm>
+          <a:prstGeom prst="straightConnector1">
+            <a:avLst/>
+          </a:prstGeom>
+          <a:ln w="38100">
+            <a:solidFill>
+              <a:srgbClr val="FF0000"/>
+            </a:solidFill>
+            <a:tailEnd type="arrow"/>
+          </a:ln>
+        </p:spPr>
+        <p:style>
+          <a:lnRef idx="2">
+            <a:schemeClr val="accent1"/>
+          </a:lnRef>
+          <a:fillRef idx="0">
+            <a:schemeClr val="accent1"/>
+          </a:fillRef>
+          <a:effectRef idx="1">
+            <a:schemeClr val="accent1"/>
+          </a:effectRef>
+          <a:fontRef idx="minor">
+            <a:schemeClr val="tx1"/>
+          </a:fontRef>
+        </p:style>
+      </p:cxnSp>
+      <p:sp>
+        <p:nvSpPr>
+          <p:cNvPr id="15" name="TextBox 14"/>
+          <p:cNvSpPr txBox="1"/>
+          <p:nvPr/>
+        </p:nvSpPr>
+        <p:spPr>
+          <a:xfrm>
+            <a:off x="6650643" y="2595265"/>
+            <a:ext cx="1274157" cy="492443"/>
+          </a:xfrm>
+          <a:prstGeom prst="rect">
+            <a:avLst/>
+          </a:prstGeom>
+          <a:noFill/>
+        </p:spPr>
+        <p:txBody>
+          <a:bodyPr wrap="none" rtlCol="0">
+            <a:spAutoFit/>
+          </a:bodyPr>
+          <a:lstStyle/>
+          <a:p>
+            <a:r>
+              <a:rPr lang="en-US" sz="2600" dirty="0" smtClean="0">
+                <a:solidFill>
+                  <a:srgbClr val="FF0000"/>
+                </a:solidFill>
+              </a:rPr>
+              <a:t>Analysis</a:t>
+            </a:r>
+            <a:endParaRPr lang="en-US" sz="2600" dirty="0">
+              <a:solidFill>
+                <a:srgbClr val="FF0000"/>
+              </a:solidFill>
+            </a:endParaRPr>
+          </a:p>
+        </p:txBody>
+      </p:sp>
+      <p:cxnSp>
+        <p:nvCxnSpPr>
+          <p:cNvPr id="22" name="Straight Arrow Connector 21"/>
+          <p:cNvCxnSpPr/>
+          <p:nvPr/>
+        </p:nvCxnSpPr>
+        <p:spPr>
+          <a:xfrm rot="10800000">
+            <a:off x="5406736" y="2671466"/>
+            <a:ext cx="1298864" cy="152401"/>
+          </a:xfrm>
+          <a:prstGeom prst="straightConnector1">
+            <a:avLst/>
+          </a:prstGeom>
+          <a:ln w="38100">
+            <a:solidFill>
+              <a:srgbClr val="FF0000"/>
+            </a:solidFill>
+            <a:tailEnd type="arrow"/>
+          </a:ln>
+        </p:spPr>
+        <p:style>
+          <a:lnRef idx="2">
+            <a:schemeClr val="accent1"/>
+          </a:lnRef>
+          <a:fillRef idx="0">
+            <a:schemeClr val="accent1"/>
+          </a:fillRef>
+          <a:effectRef idx="1">
+            <a:schemeClr val="accent1"/>
+          </a:effectRef>
+          <a:fontRef idx="minor">
+            <a:schemeClr val="tx1"/>
+          </a:fontRef>
+        </p:style>
+      </p:cxnSp>
+      <p:sp>
+        <p:nvSpPr>
+          <p:cNvPr id="11" name="TextBox 10"/>
+          <p:cNvSpPr txBox="1"/>
+          <p:nvPr/>
+        </p:nvSpPr>
+        <p:spPr>
+          <a:xfrm>
+            <a:off x="304800" y="4198203"/>
+            <a:ext cx="5333611" cy="1569660"/>
+          </a:xfrm>
+          <a:prstGeom prst="rect">
+            <a:avLst/>
+          </a:prstGeom>
+          <a:noFill/>
+        </p:spPr>
+        <p:txBody>
+          <a:bodyPr wrap="none" rtlCol="0">
+            <a:spAutoFit/>
+          </a:bodyPr>
+          <a:lstStyle/>
+          <a:p>
+            <a:r>
+              <a:rPr lang="en-US" sz="2400" dirty="0" smtClean="0"/>
+              <a:t>Look at 2 experiments created earlier</a:t>
+            </a:r>
+          </a:p>
+          <a:p>
+            <a:r>
+              <a:rPr lang="en-US" sz="2400" dirty="0" smtClean="0"/>
+              <a:t>    	- ‘FULL NEWS COMM’    </a:t>
+            </a:r>
+          </a:p>
+          <a:p>
+            <a:endParaRPr lang="en-US" sz="2400" dirty="0" smtClean="0"/>
+          </a:p>
+          <a:p>
+            <a:r>
+              <a:rPr lang="en-US" sz="2400" dirty="0" smtClean="0"/>
+              <a:t>	- with 90,000 lines of training corpora</a:t>
+            </a:r>
+          </a:p>
+          <a:p>
+            <a:endParaRPr lang="en-US" sz="2400" dirty="0"/>
           </a:p>
         </p:txBody>
       </p:sp>
     </p:spTree>
+    <p:extLst>
+      <p:ext uri="{BB962C8B-B14F-4D97-AF65-F5344CB8AC3E}">
+        <p14:creationId xmlns:p14="http://schemas.microsoft.com/office/powerpoint/2010/main" val="1179439984"/>
+      </p:ext>
+    </p:extLst>
   </p:cSld>
   <p:clrMapOvr>
     <a:masterClrMapping/>
@@ -5422,6 +6008,392 @@
           <a:p>
             <a:r>
               <a:rPr lang="en-US" dirty="0" smtClean="0"/>
+              <a:t>Analysis</a:t>
+            </a:r>
+            <a:endParaRPr lang="en-US" dirty="0"/>
+          </a:p>
+        </p:txBody>
+      </p:sp>
+      <p:pic>
+        <p:nvPicPr>
+          <p:cNvPr id="4" name="Picture 3"/>
+          <p:cNvPicPr>
+            <a:picLocks noChangeAspect="1"/>
+          </p:cNvPicPr>
+          <p:nvPr/>
+        </p:nvPicPr>
+        <p:blipFill>
+          <a:blip r:embed="rId3"/>
+          <a:stretch>
+            <a:fillRect/>
+          </a:stretch>
+        </p:blipFill>
+        <p:spPr>
+          <a:xfrm>
+            <a:off x="457200" y="2370725"/>
+            <a:ext cx="8229600" cy="1274175"/>
+          </a:xfrm>
+          <a:prstGeom prst="rect">
+            <a:avLst/>
+          </a:prstGeom>
+        </p:spPr>
+      </p:pic>
+      <p:pic>
+        <p:nvPicPr>
+          <p:cNvPr id="5" name="Picture 4"/>
+          <p:cNvPicPr>
+            <a:picLocks noChangeAspect="1"/>
+          </p:cNvPicPr>
+          <p:nvPr/>
+        </p:nvPicPr>
+        <p:blipFill>
+          <a:blip r:embed="rId4"/>
+          <a:stretch>
+            <a:fillRect/>
+          </a:stretch>
+        </p:blipFill>
+        <p:spPr>
+          <a:xfrm>
+            <a:off x="1409700" y="4330700"/>
+            <a:ext cx="6324600" cy="2374900"/>
+          </a:xfrm>
+          <a:prstGeom prst="rect">
+            <a:avLst/>
+          </a:prstGeom>
+        </p:spPr>
+      </p:pic>
+      <p:sp>
+        <p:nvSpPr>
+          <p:cNvPr id="6" name="TextBox 5"/>
+          <p:cNvSpPr txBox="1"/>
+          <p:nvPr/>
+        </p:nvSpPr>
+        <p:spPr>
+          <a:xfrm>
+            <a:off x="76200" y="1811635"/>
+            <a:ext cx="2563923" cy="461665"/>
+          </a:xfrm>
+          <a:prstGeom prst="rect">
+            <a:avLst/>
+          </a:prstGeom>
+          <a:noFill/>
+        </p:spPr>
+        <p:txBody>
+          <a:bodyPr wrap="none" rtlCol="0">
+            <a:spAutoFit/>
+          </a:bodyPr>
+          <a:lstStyle/>
+          <a:p>
+            <a:r>
+              <a:rPr lang="en-US" sz="2400" dirty="0" smtClean="0"/>
+              <a:t>High-Level Analysis</a:t>
+            </a:r>
+            <a:endParaRPr lang="en-US" sz="2400" dirty="0"/>
+          </a:p>
+        </p:txBody>
+      </p:sp>
+      <p:sp>
+        <p:nvSpPr>
+          <p:cNvPr id="7" name="TextBox 6"/>
+          <p:cNvSpPr txBox="1"/>
+          <p:nvPr/>
+        </p:nvSpPr>
+        <p:spPr>
+          <a:xfrm>
+            <a:off x="152400" y="4097635"/>
+            <a:ext cx="2968481" cy="461665"/>
+          </a:xfrm>
+          <a:prstGeom prst="rect">
+            <a:avLst/>
+          </a:prstGeom>
+          <a:noFill/>
+        </p:spPr>
+        <p:txBody>
+          <a:bodyPr wrap="none" rtlCol="0">
+            <a:spAutoFit/>
+          </a:bodyPr>
+          <a:lstStyle/>
+          <a:p>
+            <a:r>
+              <a:rPr lang="en-US" sz="2400" dirty="0" smtClean="0"/>
+              <a:t>Sentence-by-Sentence</a:t>
+            </a:r>
+            <a:endParaRPr lang="en-US" sz="2400" dirty="0"/>
+          </a:p>
+        </p:txBody>
+      </p:sp>
+      <p:sp>
+        <p:nvSpPr>
+          <p:cNvPr id="8" name="TextBox 7"/>
+          <p:cNvSpPr txBox="1"/>
+          <p:nvPr/>
+        </p:nvSpPr>
+        <p:spPr>
+          <a:xfrm>
+            <a:off x="1905000" y="1219200"/>
+            <a:ext cx="4470376" cy="538609"/>
+          </a:xfrm>
+          <a:prstGeom prst="rect">
+            <a:avLst/>
+          </a:prstGeom>
+          <a:noFill/>
+        </p:spPr>
+        <p:txBody>
+          <a:bodyPr wrap="none" rtlCol="0">
+            <a:spAutoFit/>
+          </a:bodyPr>
+          <a:lstStyle/>
+          <a:p>
+            <a:r>
+              <a:rPr lang="en-US" sz="2900" dirty="0" smtClean="0"/>
+              <a:t>Hierarchical / Syntax Models</a:t>
+            </a:r>
+            <a:endParaRPr lang="en-US" sz="2900" dirty="0"/>
+          </a:p>
+        </p:txBody>
+      </p:sp>
+    </p:spTree>
+    <p:extLst>
+      <p:ext uri="{BB962C8B-B14F-4D97-AF65-F5344CB8AC3E}">
+        <p14:creationId xmlns:p14="http://schemas.microsoft.com/office/powerpoint/2010/main" val="871449092"/>
+      </p:ext>
+    </p:extLst>
+  </p:cSld>
+  <p:clrMapOvr>
+    <a:masterClrMapping/>
+  </p:clrMapOvr>
+</p:sld>
+</file>
+
+<file path=ppt/slides/slide13.xml><?xml version="1.0" encoding="utf-8"?>
+<p:sld xmlns:a="http://schemas.openxmlformats.org/drawingml/2006/main" xmlns:r="http://schemas.openxmlformats.org/officeDocument/2006/relationships" xmlns:p="http://schemas.openxmlformats.org/presentationml/2006/main">
+  <p:cSld>
+    <p:spTree>
+      <p:nvGrpSpPr>
+        <p:cNvPr id="1" name=""/>
+        <p:cNvGrpSpPr/>
+        <p:nvPr/>
+      </p:nvGrpSpPr>
+      <p:grpSpPr>
+        <a:xfrm>
+          <a:off x="0" y="0"/>
+          <a:ext cx="0" cy="0"/>
+          <a:chOff x="0" y="0"/>
+          <a:chExt cx="0" cy="0"/>
+        </a:xfrm>
+      </p:grpSpPr>
+      <p:sp>
+        <p:nvSpPr>
+          <p:cNvPr id="2" name="Title 1"/>
+          <p:cNvSpPr>
+            <a:spLocks noGrp="1"/>
+          </p:cNvSpPr>
+          <p:nvPr>
+            <p:ph type="title"/>
+          </p:nvPr>
+        </p:nvSpPr>
+        <p:spPr/>
+        <p:txBody>
+          <a:bodyPr/>
+          <a:lstStyle/>
+          <a:p>
+            <a:r>
+              <a:rPr lang="en-US" dirty="0" smtClean="0"/>
+              <a:t>Analysis</a:t>
+            </a:r>
+            <a:endParaRPr lang="en-US" dirty="0"/>
+          </a:p>
+        </p:txBody>
+      </p:sp>
+      <p:sp>
+        <p:nvSpPr>
+          <p:cNvPr id="5" name="TextBox 4"/>
+          <p:cNvSpPr txBox="1"/>
+          <p:nvPr/>
+        </p:nvSpPr>
+        <p:spPr>
+          <a:xfrm>
+            <a:off x="2351848" y="1219200"/>
+            <a:ext cx="3286952" cy="538609"/>
+          </a:xfrm>
+          <a:prstGeom prst="rect">
+            <a:avLst/>
+          </a:prstGeom>
+          <a:noFill/>
+        </p:spPr>
+        <p:txBody>
+          <a:bodyPr wrap="none" rtlCol="0">
+            <a:spAutoFit/>
+          </a:bodyPr>
+          <a:lstStyle/>
+          <a:p>
+            <a:r>
+              <a:rPr lang="en-US" sz="2900" dirty="0" smtClean="0"/>
+              <a:t>Phrase</a:t>
+            </a:r>
+            <a:r>
+              <a:rPr lang="en-US" sz="2900" smtClean="0"/>
+              <a:t>-Based Model</a:t>
+            </a:r>
+            <a:endParaRPr lang="en-US" sz="2900" dirty="0"/>
+          </a:p>
+        </p:txBody>
+      </p:sp>
+      <p:sp>
+        <p:nvSpPr>
+          <p:cNvPr id="6" name="TextBox 5"/>
+          <p:cNvSpPr txBox="1"/>
+          <p:nvPr/>
+        </p:nvSpPr>
+        <p:spPr>
+          <a:xfrm>
+            <a:off x="76200" y="1811635"/>
+            <a:ext cx="2563923" cy="461665"/>
+          </a:xfrm>
+          <a:prstGeom prst="rect">
+            <a:avLst/>
+          </a:prstGeom>
+          <a:noFill/>
+        </p:spPr>
+        <p:txBody>
+          <a:bodyPr wrap="none" rtlCol="0">
+            <a:spAutoFit/>
+          </a:bodyPr>
+          <a:lstStyle/>
+          <a:p>
+            <a:r>
+              <a:rPr lang="en-US" sz="2400" dirty="0" smtClean="0"/>
+              <a:t>High-Level Analysis</a:t>
+            </a:r>
+            <a:endParaRPr lang="en-US" sz="2400" dirty="0"/>
+          </a:p>
+        </p:txBody>
+      </p:sp>
+      <p:sp>
+        <p:nvSpPr>
+          <p:cNvPr id="7" name="TextBox 6"/>
+          <p:cNvSpPr txBox="1"/>
+          <p:nvPr/>
+        </p:nvSpPr>
+        <p:spPr>
+          <a:xfrm>
+            <a:off x="152400" y="3810000"/>
+            <a:ext cx="2968481" cy="461665"/>
+          </a:xfrm>
+          <a:prstGeom prst="rect">
+            <a:avLst/>
+          </a:prstGeom>
+          <a:noFill/>
+        </p:spPr>
+        <p:txBody>
+          <a:bodyPr wrap="none" rtlCol="0">
+            <a:spAutoFit/>
+          </a:bodyPr>
+          <a:lstStyle/>
+          <a:p>
+            <a:r>
+              <a:rPr lang="en-US" sz="2400" dirty="0" smtClean="0"/>
+              <a:t>Sentence-by-Sentence</a:t>
+            </a:r>
+            <a:endParaRPr lang="en-US" sz="2400" dirty="0"/>
+          </a:p>
+        </p:txBody>
+      </p:sp>
+      <p:pic>
+        <p:nvPicPr>
+          <p:cNvPr id="8" name="Picture 7"/>
+          <p:cNvPicPr>
+            <a:picLocks noChangeAspect="1"/>
+          </p:cNvPicPr>
+          <p:nvPr/>
+        </p:nvPicPr>
+        <p:blipFill>
+          <a:blip r:embed="rId2"/>
+          <a:stretch>
+            <a:fillRect/>
+          </a:stretch>
+        </p:blipFill>
+        <p:spPr>
+          <a:xfrm>
+            <a:off x="76200" y="2318639"/>
+            <a:ext cx="8991600" cy="1491361"/>
+          </a:xfrm>
+          <a:prstGeom prst="rect">
+            <a:avLst/>
+          </a:prstGeom>
+        </p:spPr>
+      </p:pic>
+      <p:pic>
+        <p:nvPicPr>
+          <p:cNvPr id="9" name="Picture 8"/>
+          <p:cNvPicPr>
+            <a:picLocks noChangeAspect="1"/>
+          </p:cNvPicPr>
+          <p:nvPr/>
+        </p:nvPicPr>
+        <p:blipFill>
+          <a:blip r:embed="rId3"/>
+          <a:stretch>
+            <a:fillRect/>
+          </a:stretch>
+        </p:blipFill>
+        <p:spPr>
+          <a:xfrm>
+            <a:off x="152400" y="4406341"/>
+            <a:ext cx="8801100" cy="1537259"/>
+          </a:xfrm>
+          <a:prstGeom prst="rect">
+            <a:avLst/>
+          </a:prstGeom>
+        </p:spPr>
+      </p:pic>
+    </p:spTree>
+    <p:extLst>
+      <p:ext uri="{BB962C8B-B14F-4D97-AF65-F5344CB8AC3E}">
+        <p14:creationId xmlns:p14="http://schemas.microsoft.com/office/powerpoint/2010/main" val="1193011206"/>
+      </p:ext>
+    </p:extLst>
+  </p:cSld>
+  <p:clrMapOvr>
+    <a:masterClrMapping/>
+  </p:clrMapOvr>
+</p:sld>
+</file>
+
+<file path=ppt/slides/slide14.xml><?xml version="1.0" encoding="utf-8"?>
+<p:sld xmlns:a="http://schemas.openxmlformats.org/drawingml/2006/main" xmlns:r="http://schemas.openxmlformats.org/officeDocument/2006/relationships" xmlns:p="http://schemas.openxmlformats.org/presentationml/2006/main">
+  <p:cSld>
+    <p:spTree>
+      <p:nvGrpSpPr>
+        <p:cNvPr id="1" name=""/>
+        <p:cNvGrpSpPr/>
+        <p:nvPr/>
+      </p:nvGrpSpPr>
+      <p:grpSpPr>
+        <a:xfrm>
+          <a:off x="0" y="0"/>
+          <a:ext cx="0" cy="0"/>
+          <a:chOff x="0" y="0"/>
+          <a:chExt cx="0" cy="0"/>
+        </a:xfrm>
+      </p:grpSpPr>
+      <p:sp>
+        <p:nvSpPr>
+          <p:cNvPr id="2" name="Title 1"/>
+          <p:cNvSpPr>
+            <a:spLocks noGrp="1"/>
+          </p:cNvSpPr>
+          <p:nvPr>
+            <p:ph type="title"/>
+          </p:nvPr>
+        </p:nvSpPr>
+        <p:spPr/>
+        <p:txBody>
+          <a:bodyPr/>
+          <a:lstStyle/>
+          <a:p>
+            <a:r>
+              <a:rPr lang="en-US" dirty="0" smtClean="0"/>
               <a:t>Debugging</a:t>
             </a:r>
             <a:endParaRPr lang="en-US" dirty="0"/>
@@ -5445,74 +6417,38 @@
           <a:p>
             <a:r>
               <a:rPr lang="en-US" dirty="0" smtClean="0"/>
-              <a:t>steps /&lt;num&gt;/ </a:t>
+              <a:t>Incorrect file paths</a:t>
             </a:r>
           </a:p>
           <a:p>
             <a:pPr lvl="1"/>
             <a:r>
               <a:rPr lang="en-US" dirty="0" smtClean="0"/>
-              <a:t>Working directory of EMS</a:t>
-            </a:r>
-          </a:p>
-          <a:p>
-            <a:r>
-              <a:rPr lang="en-US" dirty="0" err="1" smtClean="0"/>
-              <a:t>config</a:t>
-            </a:r>
-            <a:r>
-              <a:rPr lang="en-US" dirty="0" smtClean="0"/>
-              <a:t>.&lt;num&gt;</a:t>
+              <a:t>Data files</a:t>
             </a:r>
           </a:p>
           <a:p>
             <a:pPr lvl="1"/>
             <a:r>
               <a:rPr lang="en-US" dirty="0" smtClean="0"/>
-              <a:t>Parameters for experiment &lt;num&gt;</a:t>
-            </a:r>
-          </a:p>
-          <a:p>
-            <a:r>
-              <a:rPr lang="en-US" dirty="0" smtClean="0"/>
-              <a:t>Scripts that run </a:t>
-            </a:r>
-            <a:r>
-              <a:rPr lang="en-US" dirty="0" err="1" smtClean="0"/>
-              <a:t>moses</a:t>
-            </a:r>
-            <a:r>
-              <a:rPr lang="en-US" dirty="0" smtClean="0"/>
-              <a:t> script</a:t>
+              <a:t>Executables</a:t>
+            </a:r>
+          </a:p>
+          <a:p>
+            <a:r>
+              <a:rPr lang="en-US" dirty="0" smtClean="0"/>
+              <a:t>Bugs in scripts</a:t>
+            </a:r>
+          </a:p>
+          <a:p>
+            <a:r>
+              <a:rPr lang="en-US" dirty="0" smtClean="0"/>
+              <a:t>Bugs in data</a:t>
             </a:r>
           </a:p>
           <a:p>
             <a:pPr lvl="1"/>
-            <a:r>
-              <a:rPr lang="en-US" dirty="0" err="1" smtClean="0"/>
-              <a:t>eg</a:t>
-            </a:r>
-            <a:r>
-              <a:rPr lang="en-US" dirty="0" smtClean="0"/>
-              <a:t>. TRAINING_run_giza.1</a:t>
-            </a:r>
-          </a:p>
-          <a:p>
-            <a:r>
-              <a:rPr lang="en-US" dirty="0" smtClean="0"/>
-              <a:t>Errors produced by every script</a:t>
-            </a:r>
-          </a:p>
-          <a:p>
-            <a:pPr lvl="1"/>
-            <a:r>
-              <a:rPr lang="en-US" dirty="0" err="1" smtClean="0"/>
-              <a:t>eg</a:t>
-            </a:r>
-            <a:r>
-              <a:rPr lang="en-US" dirty="0" smtClean="0"/>
-              <a:t>. TRAINING_run_giza.1.STDERR</a:t>
-            </a:r>
+            <a:endParaRPr lang="en-US" dirty="0"/>
           </a:p>
         </p:txBody>
       </p:sp>
@@ -5524,7 +6460,143 @@
 </p:sld>
 </file>
 
-<file path=ppt/slides/slide13.xml><?xml version="1.0" encoding="utf-8"?>
+<file path=ppt/slides/slide15.xml><?xml version="1.0" encoding="utf-8"?>
+<p:sld xmlns:a="http://schemas.openxmlformats.org/drawingml/2006/main" xmlns:r="http://schemas.openxmlformats.org/officeDocument/2006/relationships" xmlns:p="http://schemas.openxmlformats.org/presentationml/2006/main">
+  <p:cSld>
+    <p:spTree>
+      <p:nvGrpSpPr>
+        <p:cNvPr id="1" name=""/>
+        <p:cNvGrpSpPr/>
+        <p:nvPr/>
+      </p:nvGrpSpPr>
+      <p:grpSpPr>
+        <a:xfrm>
+          <a:off x="0" y="0"/>
+          <a:ext cx="0" cy="0"/>
+          <a:chOff x="0" y="0"/>
+          <a:chExt cx="0" cy="0"/>
+        </a:xfrm>
+      </p:grpSpPr>
+      <p:sp>
+        <p:nvSpPr>
+          <p:cNvPr id="2" name="Title 1"/>
+          <p:cNvSpPr>
+            <a:spLocks noGrp="1"/>
+          </p:cNvSpPr>
+          <p:nvPr>
+            <p:ph type="title"/>
+          </p:nvPr>
+        </p:nvSpPr>
+        <p:spPr/>
+        <p:txBody>
+          <a:bodyPr/>
+          <a:lstStyle/>
+          <a:p>
+            <a:r>
+              <a:rPr lang="en-US" dirty="0" smtClean="0"/>
+              <a:t>Debugging</a:t>
+            </a:r>
+            <a:endParaRPr lang="en-US" dirty="0"/>
+          </a:p>
+        </p:txBody>
+      </p:sp>
+      <p:sp>
+        <p:nvSpPr>
+          <p:cNvPr id="3" name="Content Placeholder 2"/>
+          <p:cNvSpPr>
+            <a:spLocks noGrp="1"/>
+          </p:cNvSpPr>
+          <p:nvPr>
+            <p:ph idx="1"/>
+          </p:nvPr>
+        </p:nvSpPr>
+        <p:spPr/>
+        <p:txBody>
+          <a:bodyPr/>
+          <a:lstStyle/>
+          <a:p>
+            <a:r>
+              <a:rPr lang="en-US" dirty="0" smtClean="0"/>
+              <a:t>steps /&lt;num&gt;/ </a:t>
+            </a:r>
+          </a:p>
+          <a:p>
+            <a:pPr lvl="1"/>
+            <a:r>
+              <a:rPr lang="en-US" dirty="0" smtClean="0"/>
+              <a:t>Working directory of EMS</a:t>
+            </a:r>
+          </a:p>
+          <a:p>
+            <a:r>
+              <a:rPr lang="en-US" dirty="0" err="1" smtClean="0"/>
+              <a:t>config</a:t>
+            </a:r>
+            <a:r>
+              <a:rPr lang="en-US" dirty="0" smtClean="0"/>
+              <a:t>.&lt;num&gt;</a:t>
+            </a:r>
+          </a:p>
+          <a:p>
+            <a:pPr lvl="1"/>
+            <a:r>
+              <a:rPr lang="en-US" dirty="0" smtClean="0"/>
+              <a:t>Parameters for experiment &lt;num&gt;</a:t>
+            </a:r>
+          </a:p>
+          <a:p>
+            <a:r>
+              <a:rPr lang="en-US" dirty="0" smtClean="0"/>
+              <a:t>Scripts that run </a:t>
+            </a:r>
+            <a:r>
+              <a:rPr lang="en-US" dirty="0" err="1" smtClean="0"/>
+              <a:t>moses</a:t>
+            </a:r>
+            <a:r>
+              <a:rPr lang="en-US" dirty="0" smtClean="0"/>
+              <a:t> script</a:t>
+            </a:r>
+          </a:p>
+          <a:p>
+            <a:pPr lvl="1"/>
+            <a:r>
+              <a:rPr lang="en-US" dirty="0" err="1" smtClean="0"/>
+              <a:t>eg</a:t>
+            </a:r>
+            <a:r>
+              <a:rPr lang="en-US" dirty="0" smtClean="0"/>
+              <a:t>. TRAINING_run_giza.1</a:t>
+            </a:r>
+          </a:p>
+          <a:p>
+            <a:r>
+              <a:rPr lang="en-US" dirty="0" smtClean="0"/>
+              <a:t>Errors produced by every script</a:t>
+            </a:r>
+          </a:p>
+          <a:p>
+            <a:pPr lvl="1"/>
+            <a:r>
+              <a:rPr lang="en-US" dirty="0" err="1" smtClean="0"/>
+              <a:t>eg</a:t>
+            </a:r>
+            <a:r>
+              <a:rPr lang="en-US" dirty="0" smtClean="0"/>
+              <a:t>. TRAINING_run_giza.1.STDERR</a:t>
+            </a:r>
+          </a:p>
+        </p:txBody>
+      </p:sp>
+    </p:spTree>
+  </p:cSld>
+  <p:clrMapOvr>
+    <a:masterClrMapping/>
+  </p:clrMapOvr>
+</p:sld>
+</file>
+
+<file path=ppt/slides/slide16.xml><?xml version="1.0" encoding="utf-8"?>
 <p:sld xmlns:a="http://schemas.openxmlformats.org/drawingml/2006/main" xmlns:r="http://schemas.openxmlformats.org/officeDocument/2006/relationships" xmlns:p="http://schemas.openxmlformats.org/presentationml/2006/main">
   <p:cSld>
     <p:spTree>
@@ -6472,11 +7544,7 @@
             </a:r>
             <a:r>
               <a:rPr lang="en-US" dirty="0" err="1" smtClean="0"/>
-              <a:t>guest</a:t>
-            </a:r>
-            <a:r>
-              <a:rPr lang="en-US" dirty="0" err="1" smtClean="0"/>
-              <a:t>@thor.inf.ed.ac.uk</a:t>
+              <a:t>guest@thor.inf.ed.ac.uk</a:t>
             </a:r>
             <a:endParaRPr lang="en-US" dirty="0" smtClean="0"/>
           </a:p>
@@ -6538,11 +7606,7 @@
             </a:r>
             <a:r>
               <a:rPr lang="en-US" dirty="0" smtClean="0"/>
-              <a:t> </a:t>
-            </a:r>
-            <a:r>
-              <a:rPr lang="en-US" dirty="0" smtClean="0"/>
-              <a:t>&amp;</a:t>
+              <a:t> &amp;</a:t>
             </a:r>
           </a:p>
           <a:p>
@@ -6995,11 +8059,7 @@
             </a:r>
             <a:r>
               <a:rPr lang="en-US" dirty="0" smtClean="0"/>
-              <a:t> </a:t>
-            </a:r>
-            <a:r>
-              <a:rPr lang="en-US" dirty="0" smtClean="0"/>
-              <a:t>&amp;</a:t>
+              <a:t> &amp;</a:t>
             </a:r>
           </a:p>
           <a:p>

--- a/amta2012/hands-on.2012.pptx
+++ b/amta2012/hands-on.2012.pptx
@@ -208,7 +208,7 @@
             <a:fld id="{A21CD23E-9C6D-3F4E-B356-8B36A5E4D680}" type="datetimeFigureOut">
               <a:rPr lang="en-US" smtClean="0"/>
               <a:pPr/>
-              <a:t>31/10/2012</a:t>
+              <a:t>01/11/2012</a:t>
             </a:fld>
             <a:endParaRPr lang="en-US"/>
           </a:p>
@@ -2487,7 +2487,7 @@
             <a:fld id="{91D24437-2522-E94A-8E59-511AAB2326EA}" type="datetimeFigureOut">
               <a:rPr lang="en-US" smtClean="0"/>
               <a:pPr/>
-              <a:t>31/10/2012</a:t>
+              <a:t>01/11/2012</a:t>
             </a:fld>
             <a:endParaRPr lang="en-US"/>
           </a:p>
@@ -2654,7 +2654,7 @@
             <a:fld id="{91D24437-2522-E94A-8E59-511AAB2326EA}" type="datetimeFigureOut">
               <a:rPr lang="en-US" smtClean="0"/>
               <a:pPr/>
-              <a:t>31/10/2012</a:t>
+              <a:t>01/11/2012</a:t>
             </a:fld>
             <a:endParaRPr lang="en-US"/>
           </a:p>
@@ -2831,7 +2831,7 @@
             <a:fld id="{91D24437-2522-E94A-8E59-511AAB2326EA}" type="datetimeFigureOut">
               <a:rPr lang="en-US" smtClean="0"/>
               <a:pPr/>
-              <a:t>31/10/2012</a:t>
+              <a:t>01/11/2012</a:t>
             </a:fld>
             <a:endParaRPr lang="en-US"/>
           </a:p>
@@ -2998,7 +2998,7 @@
             <a:fld id="{91D24437-2522-E94A-8E59-511AAB2326EA}" type="datetimeFigureOut">
               <a:rPr lang="en-US" smtClean="0"/>
               <a:pPr/>
-              <a:t>31/10/2012</a:t>
+              <a:t>01/11/2012</a:t>
             </a:fld>
             <a:endParaRPr lang="en-US"/>
           </a:p>
@@ -3241,7 +3241,7 @@
             <a:fld id="{91D24437-2522-E94A-8E59-511AAB2326EA}" type="datetimeFigureOut">
               <a:rPr lang="en-US" smtClean="0"/>
               <a:pPr/>
-              <a:t>31/10/2012</a:t>
+              <a:t>01/11/2012</a:t>
             </a:fld>
             <a:endParaRPr lang="en-US"/>
           </a:p>
@@ -3526,7 +3526,7 @@
             <a:fld id="{91D24437-2522-E94A-8E59-511AAB2326EA}" type="datetimeFigureOut">
               <a:rPr lang="en-US" smtClean="0"/>
               <a:pPr/>
-              <a:t>31/10/2012</a:t>
+              <a:t>01/11/2012</a:t>
             </a:fld>
             <a:endParaRPr lang="en-US"/>
           </a:p>
@@ -3945,7 +3945,7 @@
             <a:fld id="{91D24437-2522-E94A-8E59-511AAB2326EA}" type="datetimeFigureOut">
               <a:rPr lang="en-US" smtClean="0"/>
               <a:pPr/>
-              <a:t>31/10/2012</a:t>
+              <a:t>01/11/2012</a:t>
             </a:fld>
             <a:endParaRPr lang="en-US"/>
           </a:p>
@@ -4060,7 +4060,7 @@
             <a:fld id="{91D24437-2522-E94A-8E59-511AAB2326EA}" type="datetimeFigureOut">
               <a:rPr lang="en-US" smtClean="0"/>
               <a:pPr/>
-              <a:t>31/10/2012</a:t>
+              <a:t>01/11/2012</a:t>
             </a:fld>
             <a:endParaRPr lang="en-US"/>
           </a:p>
@@ -4152,7 +4152,7 @@
             <a:fld id="{91D24437-2522-E94A-8E59-511AAB2326EA}" type="datetimeFigureOut">
               <a:rPr lang="en-US" smtClean="0"/>
               <a:pPr/>
-              <a:t>31/10/2012</a:t>
+              <a:t>01/11/2012</a:t>
             </a:fld>
             <a:endParaRPr lang="en-US"/>
           </a:p>
@@ -4426,7 +4426,7 @@
             <a:fld id="{91D24437-2522-E94A-8E59-511AAB2326EA}" type="datetimeFigureOut">
               <a:rPr lang="en-US" smtClean="0"/>
               <a:pPr/>
-              <a:t>31/10/2012</a:t>
+              <a:t>01/11/2012</a:t>
             </a:fld>
             <a:endParaRPr lang="en-US"/>
           </a:p>
@@ -4676,7 +4676,7 @@
             <a:fld id="{91D24437-2522-E94A-8E59-511AAB2326EA}" type="datetimeFigureOut">
               <a:rPr lang="en-US" smtClean="0"/>
               <a:pPr/>
-              <a:t>31/10/2012</a:t>
+              <a:t>01/11/2012</a:t>
             </a:fld>
             <a:endParaRPr lang="en-US"/>
           </a:p>
@@ -4886,7 +4886,7 @@
             <a:fld id="{91D24437-2522-E94A-8E59-511AAB2326EA}" type="datetimeFigureOut">
               <a:rPr lang="en-US" smtClean="0"/>
               <a:pPr/>
-              <a:t>31/10/2012</a:t>
+              <a:t>01/11/2012</a:t>
             </a:fld>
             <a:endParaRPr lang="en-US"/>
           </a:p>
@@ -5444,6 +5444,13 @@
   <p:clrMapOvr>
     <a:masterClrMapping/>
   </p:clrMapOvr>
+  <p:timing>
+    <p:tnLst>
+      <p:par>
+        <p:cTn xmlns:p14="http://schemas.microsoft.com/office/powerpoint/2010/main" id="1" dur="indefinite" restart="never" nodeType="tmRoot"/>
+      </p:par>
+    </p:tnLst>
+  </p:timing>
 </p:sld>
 </file>
 
@@ -7329,6 +7336,13 @@
   <p:clrMapOvr>
     <a:masterClrMapping/>
   </p:clrMapOvr>
+  <p:timing>
+    <p:tnLst>
+      <p:par>
+        <p:cTn xmlns:p14="http://schemas.microsoft.com/office/powerpoint/2010/main" id="1" dur="indefinite" restart="never" nodeType="tmRoot"/>
+      </p:par>
+    </p:tnLst>
+  </p:timing>
 </p:sld>
 </file>
 
@@ -7387,19 +7401,17 @@
         <p:spPr/>
         <p:txBody>
           <a:bodyPr>
-            <a:normAutofit fontScale="92500" lnSpcReduction="20000"/>
+            <a:normAutofit lnSpcReduction="10000"/>
           </a:bodyPr>
           <a:lstStyle/>
           <a:p>
             <a:r>
               <a:rPr lang="en-US" dirty="0" smtClean="0"/>
-              <a:t>More details later….</a:t>
-            </a:r>
-          </a:p>
-          <a:p>
-            <a:r>
-              <a:rPr lang="en-US" dirty="0" smtClean="0"/>
-              <a:t>In brief </a:t>
+              <a:t>In </a:t>
+            </a:r>
+            <a:r>
+              <a:rPr lang="en-US" dirty="0" smtClean="0"/>
+              <a:t>brief </a:t>
             </a:r>
           </a:p>
           <a:p>
@@ -7471,6 +7483,13 @@
   <p:clrMapOvr>
     <a:masterClrMapping/>
   </p:clrMapOvr>
+  <p:timing>
+    <p:tnLst>
+      <p:par>
+        <p:cTn xmlns:p14="http://schemas.microsoft.com/office/powerpoint/2010/main" id="1" dur="indefinite" restart="never" nodeType="tmRoot"/>
+      </p:par>
+    </p:tnLst>
+  </p:timing>
 </p:sld>
 </file>
 
@@ -7569,7 +7588,19 @@
             </a:pPr>
             <a:r>
               <a:rPr lang="en-US" dirty="0" smtClean="0"/>
-              <a:t>cd workspace/exp/</a:t>
+              <a:t>cd workspace/</a:t>
+            </a:r>
+            <a:r>
+              <a:rPr lang="en-US" dirty="0" smtClean="0"/>
+              <a:t>experiment/</a:t>
+            </a:r>
+            <a:r>
+              <a:rPr lang="en-US" dirty="0" err="1" smtClean="0"/>
+              <a:t>fr</a:t>
+            </a:r>
+            <a:r>
+              <a:rPr lang="en-US" dirty="0" smtClean="0"/>
+              <a:t>-en/</a:t>
             </a:r>
             <a:r>
               <a:rPr lang="en-US" dirty="0" smtClean="0">
@@ -7581,8 +7612,9 @@
             </a:r>
             <a:r>
               <a:rPr lang="en-US" dirty="0" smtClean="0"/>
-              <a:t>/working-dir</a:t>
-            </a:r>
+              <a:t>/</a:t>
+            </a:r>
+            <a:endParaRPr lang="en-US" dirty="0" smtClean="0"/>
           </a:p>
           <a:p>
             <a:pPr>
@@ -7598,7 +7630,15 @@
             </a:r>
             <a:r>
               <a:rPr lang="en-US" dirty="0" smtClean="0"/>
-              <a:t> ../</a:t>
+              <a:t> </a:t>
+            </a:r>
+            <a:r>
+              <a:rPr lang="en-US" dirty="0" smtClean="0"/>
+              <a:t> .</a:t>
+            </a:r>
+            <a:r>
+              <a:rPr lang="en-US" dirty="0" smtClean="0"/>
+              <a:t>/</a:t>
             </a:r>
             <a:r>
               <a:rPr lang="en-US" dirty="0" err="1" smtClean="0"/>
@@ -7795,6 +7835,13 @@
   <p:clrMapOvr>
     <a:masterClrMapping/>
   </p:clrMapOvr>
+  <p:timing>
+    <p:tnLst>
+      <p:par>
+        <p:cTn xmlns:p14="http://schemas.microsoft.com/office/powerpoint/2010/main" id="1" dur="indefinite" restart="never" nodeType="tmRoot"/>
+      </p:par>
+    </p:tnLst>
+  </p:timing>
 </p:sld>
 </file>
 
@@ -7867,6 +7914,13 @@
   <p:clrMapOvr>
     <a:masterClrMapping/>
   </p:clrMapOvr>
+  <p:timing>
+    <p:tnLst>
+      <p:par>
+        <p:cTn xmlns:p14="http://schemas.microsoft.com/office/powerpoint/2010/main" id="1" dur="indefinite" restart="never" nodeType="tmRoot"/>
+      </p:par>
+    </p:tnLst>
+  </p:timing>
 </p:sld>
 </file>
 
@@ -7984,6 +8038,13 @@
   <p:clrMapOvr>
     <a:masterClrMapping/>
   </p:clrMapOvr>
+  <p:timing>
+    <p:tnLst>
+      <p:par>
+        <p:cTn xmlns:p14="http://schemas.microsoft.com/office/powerpoint/2010/main" id="1" dur="indefinite" restart="never" nodeType="tmRoot"/>
+      </p:par>
+    </p:tnLst>
+  </p:timing>
 </p:sld>
 </file>
 
@@ -8050,8 +8111,16 @@
               <a:t>nohup</a:t>
             </a:r>
             <a:r>
-              <a:rPr lang="en-US" dirty="0" smtClean="0"/>
-              <a:t> ../</a:t>
+              <a:rPr lang="en-US" smtClean="0"/>
+              <a:t> </a:t>
+            </a:r>
+            <a:r>
+              <a:rPr lang="en-US" smtClean="0"/>
+              <a:t>.</a:t>
+            </a:r>
+            <a:r>
+              <a:rPr lang="en-US" dirty="0" smtClean="0"/>
+              <a:t>/</a:t>
             </a:r>
             <a:r>
               <a:rPr lang="en-US" dirty="0" err="1" smtClean="0"/>
@@ -8212,6 +8281,13 @@
   <p:clrMapOvr>
     <a:masterClrMapping/>
   </p:clrMapOvr>
+  <p:timing>
+    <p:tnLst>
+      <p:par>
+        <p:cTn xmlns:p14="http://schemas.microsoft.com/office/powerpoint/2010/main" id="1" dur="indefinite" restart="never" nodeType="tmRoot"/>
+      </p:par>
+    </p:tnLst>
+  </p:timing>
 </p:sld>
 </file>
 
@@ -8284,6 +8360,13 @@
   <p:clrMapOvr>
     <a:masterClrMapping/>
   </p:clrMapOvr>
+  <p:timing>
+    <p:tnLst>
+      <p:par>
+        <p:cTn xmlns:p14="http://schemas.microsoft.com/office/powerpoint/2010/main" id="1" dur="indefinite" restart="never" nodeType="tmRoot"/>
+      </p:par>
+    </p:tnLst>
+  </p:timing>
 </p:sld>
 </file>
 
@@ -8442,6 +8525,13 @@
   <p:clrMapOvr>
     <a:masterClrMapping/>
   </p:clrMapOvr>
+  <p:timing>
+    <p:tnLst>
+      <p:par>
+        <p:cTn xmlns:p14="http://schemas.microsoft.com/office/powerpoint/2010/main" id="1" dur="indefinite" restart="never" nodeType="tmRoot"/>
+      </p:par>
+    </p:tnLst>
+  </p:timing>
 </p:sld>
 </file>
 
